--- a/Figures/AKBK_Comparison.pptx
+++ b/Figures/AKBK_Comparison.pptx
@@ -104,6 +104,11 @@
       </a:defRPr>
     </a:lvl9pPr>
   </p:defaultTextStyle>
+  <p:extLst>
+    <p:ext uri="{EFAFB233-063F-42B5-8137-9DF3F51BA10A}">
+      <p15:sldGuideLst xmlns:p15="http://schemas.microsoft.com/office/powerpoint/2012/main"/>
+    </p:ext>
+  </p:extLst>
 </p:presentation>
 </file>
 
@@ -238,7 +243,7 @@
           <a:p>
             <a:fld id="{8887429E-5184-48AE-8C17-116D4BED042D}" type="datetimeFigureOut">
               <a:rPr lang="en-US" smtClean="0"/>
-              <a:t>6/13/2018</a:t>
+              <a:t>6/20/2018</a:t>
             </a:fld>
             <a:endParaRPr lang="en-US"/>
           </a:p>
@@ -408,7 +413,7 @@
           <a:p>
             <a:fld id="{8887429E-5184-48AE-8C17-116D4BED042D}" type="datetimeFigureOut">
               <a:rPr lang="en-US" smtClean="0"/>
-              <a:t>6/13/2018</a:t>
+              <a:t>6/20/2018</a:t>
             </a:fld>
             <a:endParaRPr lang="en-US"/>
           </a:p>
@@ -588,7 +593,7 @@
           <a:p>
             <a:fld id="{8887429E-5184-48AE-8C17-116D4BED042D}" type="datetimeFigureOut">
               <a:rPr lang="en-US" smtClean="0"/>
-              <a:t>6/13/2018</a:t>
+              <a:t>6/20/2018</a:t>
             </a:fld>
             <a:endParaRPr lang="en-US"/>
           </a:p>
@@ -758,7 +763,7 @@
           <a:p>
             <a:fld id="{8887429E-5184-48AE-8C17-116D4BED042D}" type="datetimeFigureOut">
               <a:rPr lang="en-US" smtClean="0"/>
-              <a:t>6/13/2018</a:t>
+              <a:t>6/20/2018</a:t>
             </a:fld>
             <a:endParaRPr lang="en-US"/>
           </a:p>
@@ -1004,7 +1009,7 @@
           <a:p>
             <a:fld id="{8887429E-5184-48AE-8C17-116D4BED042D}" type="datetimeFigureOut">
               <a:rPr lang="en-US" smtClean="0"/>
-              <a:t>6/13/2018</a:t>
+              <a:t>6/20/2018</a:t>
             </a:fld>
             <a:endParaRPr lang="en-US"/>
           </a:p>
@@ -1236,7 +1241,7 @@
           <a:p>
             <a:fld id="{8887429E-5184-48AE-8C17-116D4BED042D}" type="datetimeFigureOut">
               <a:rPr lang="en-US" smtClean="0"/>
-              <a:t>6/13/2018</a:t>
+              <a:t>6/20/2018</a:t>
             </a:fld>
             <a:endParaRPr lang="en-US"/>
           </a:p>
@@ -1603,7 +1608,7 @@
           <a:p>
             <a:fld id="{8887429E-5184-48AE-8C17-116D4BED042D}" type="datetimeFigureOut">
               <a:rPr lang="en-US" smtClean="0"/>
-              <a:t>6/13/2018</a:t>
+              <a:t>6/20/2018</a:t>
             </a:fld>
             <a:endParaRPr lang="en-US"/>
           </a:p>
@@ -1721,7 +1726,7 @@
           <a:p>
             <a:fld id="{8887429E-5184-48AE-8C17-116D4BED042D}" type="datetimeFigureOut">
               <a:rPr lang="en-US" smtClean="0"/>
-              <a:t>6/13/2018</a:t>
+              <a:t>6/20/2018</a:t>
             </a:fld>
             <a:endParaRPr lang="en-US"/>
           </a:p>
@@ -1816,7 +1821,7 @@
           <a:p>
             <a:fld id="{8887429E-5184-48AE-8C17-116D4BED042D}" type="datetimeFigureOut">
               <a:rPr lang="en-US" smtClean="0"/>
-              <a:t>6/13/2018</a:t>
+              <a:t>6/20/2018</a:t>
             </a:fld>
             <a:endParaRPr lang="en-US"/>
           </a:p>
@@ -2093,7 +2098,7 @@
           <a:p>
             <a:fld id="{8887429E-5184-48AE-8C17-116D4BED042D}" type="datetimeFigureOut">
               <a:rPr lang="en-US" smtClean="0"/>
-              <a:t>6/13/2018</a:t>
+              <a:t>6/20/2018</a:t>
             </a:fld>
             <a:endParaRPr lang="en-US"/>
           </a:p>
@@ -2346,7 +2351,7 @@
           <a:p>
             <a:fld id="{8887429E-5184-48AE-8C17-116D4BED042D}" type="datetimeFigureOut">
               <a:rPr lang="en-US" smtClean="0"/>
-              <a:t>6/13/2018</a:t>
+              <a:t>6/20/2018</a:t>
             </a:fld>
             <a:endParaRPr lang="en-US"/>
           </a:p>
@@ -2559,7 +2564,7 @@
           <a:p>
             <a:fld id="{8887429E-5184-48AE-8C17-116D4BED042D}" type="datetimeFigureOut">
               <a:rPr lang="en-US" smtClean="0"/>
-              <a:t>6/13/2018</a:t>
+              <a:t>6/20/2018</a:t>
             </a:fld>
             <a:endParaRPr lang="en-US"/>
           </a:p>
@@ -2972,7 +2977,7 @@
         </p:nvGrpSpPr>
         <p:grpSpPr>
           <a:xfrm>
-            <a:off x="123444" y="1828800"/>
+            <a:off x="123444" y="573738"/>
             <a:ext cx="11945112" cy="3200400"/>
             <a:chOff x="310896" y="651510"/>
             <a:chExt cx="11945112" cy="3200400"/>
@@ -3059,7 +3064,7 @@
         </p:nvSpPr>
         <p:spPr>
           <a:xfrm rot="16200000">
-            <a:off x="963678" y="3767328"/>
+            <a:off x="963678" y="2512266"/>
             <a:ext cx="1467068" cy="369332"/>
           </a:xfrm>
           <a:prstGeom prst="rect">
@@ -3113,7 +3118,7 @@
         </p:nvSpPr>
         <p:spPr>
           <a:xfrm rot="16200000">
-            <a:off x="1606150" y="3783775"/>
+            <a:off x="1606150" y="2528713"/>
             <a:ext cx="1439818" cy="369332"/>
           </a:xfrm>
           <a:prstGeom prst="rect">
@@ -3167,7 +3172,7 @@
         </p:nvSpPr>
         <p:spPr>
           <a:xfrm rot="16200000">
-            <a:off x="2439380" y="3982548"/>
+            <a:off x="2439380" y="2727486"/>
             <a:ext cx="1031051" cy="369332"/>
           </a:xfrm>
           <a:prstGeom prst="rect">
@@ -3242,6 +3247,299 @@
               </a:effectLst>
               <a:latin typeface="Palatino Linotype" panose="02040502050505030304" pitchFamily="18" charset="0"/>
             </a:endParaRPr>
+          </a:p>
+        </p:txBody>
+      </p:sp>
+      <p:sp>
+        <p:nvSpPr>
+          <p:cNvPr id="2" name="TextBox 1"/>
+          <p:cNvSpPr txBox="1"/>
+          <p:nvPr/>
+        </p:nvSpPr>
+        <p:spPr>
+          <a:xfrm>
+            <a:off x="554640" y="3774138"/>
+            <a:ext cx="4250715" cy="1200329"/>
+          </a:xfrm>
+          <a:prstGeom prst="rect">
+            <a:avLst/>
+          </a:prstGeom>
+          <a:noFill/>
+        </p:spPr>
+        <p:txBody>
+          <a:bodyPr wrap="none" rtlCol="0">
+            <a:spAutoFit/>
+          </a:bodyPr>
+          <a:lstStyle/>
+          <a:p>
+            <a:r>
+              <a:rPr lang="en-US" u="sng" dirty="0" smtClean="0">
+                <a:latin typeface="Palatino Linotype" panose="02040502050505030304" pitchFamily="18" charset="0"/>
+              </a:rPr>
+              <a:t>Above-knee</a:t>
+            </a:r>
+          </a:p>
+          <a:p>
+            <a:r>
+              <a:rPr lang="en-US" dirty="0" smtClean="0">
+                <a:latin typeface="Palatino Linotype" panose="02040502050505030304" pitchFamily="18" charset="0"/>
+              </a:rPr>
+              <a:t>EMG: VL, RF, BF, ST</a:t>
+            </a:r>
+          </a:p>
+          <a:p>
+            <a:r>
+              <a:rPr lang="en-US" dirty="0" smtClean="0">
+                <a:latin typeface="Palatino Linotype" panose="02040502050505030304" pitchFamily="18" charset="0"/>
+              </a:rPr>
+              <a:t>Goniometer: Knee position and velocity</a:t>
+            </a:r>
+          </a:p>
+          <a:p>
+            <a:r>
+              <a:rPr lang="en-US" dirty="0" smtClean="0">
+                <a:latin typeface="Palatino Linotype" panose="02040502050505030304" pitchFamily="18" charset="0"/>
+              </a:rPr>
+              <a:t>IMU: Thigh A</a:t>
+            </a:r>
+            <a:r>
+              <a:rPr lang="en-US" baseline="-25000" dirty="0" smtClean="0">
+                <a:latin typeface="Palatino Linotype" panose="02040502050505030304" pitchFamily="18" charset="0"/>
+              </a:rPr>
+              <a:t>x-z</a:t>
+            </a:r>
+            <a:r>
+              <a:rPr lang="en-US" dirty="0" smtClean="0">
+                <a:latin typeface="Palatino Linotype" panose="02040502050505030304" pitchFamily="18" charset="0"/>
+              </a:rPr>
+              <a:t>, </a:t>
+            </a:r>
+            <a:r>
+              <a:rPr lang="en-US" dirty="0" err="1" smtClean="0">
+                <a:latin typeface="Palatino Linotype" panose="02040502050505030304" pitchFamily="18" charset="0"/>
+              </a:rPr>
+              <a:t>G</a:t>
+            </a:r>
+            <a:r>
+              <a:rPr lang="en-US" baseline="-25000" dirty="0" err="1" smtClean="0">
+                <a:latin typeface="Palatino Linotype" panose="02040502050505030304" pitchFamily="18" charset="0"/>
+              </a:rPr>
+              <a:t>x</a:t>
+            </a:r>
+            <a:r>
+              <a:rPr lang="en-US" baseline="-25000" dirty="0" smtClean="0">
+                <a:latin typeface="Palatino Linotype" panose="02040502050505030304" pitchFamily="18" charset="0"/>
+              </a:rPr>
+              <a:t>-z</a:t>
+            </a:r>
+            <a:endParaRPr lang="en-US" dirty="0">
+              <a:latin typeface="Palatino Linotype" panose="02040502050505030304" pitchFamily="18" charset="0"/>
+            </a:endParaRPr>
+          </a:p>
+        </p:txBody>
+      </p:sp>
+      <p:sp>
+        <p:nvSpPr>
+          <p:cNvPr id="3" name="Rectangle 2"/>
+          <p:cNvSpPr/>
+          <p:nvPr/>
+        </p:nvSpPr>
+        <p:spPr>
+          <a:xfrm>
+            <a:off x="554640" y="5163798"/>
+            <a:ext cx="6096000" cy="1200329"/>
+          </a:xfrm>
+          <a:prstGeom prst="rect">
+            <a:avLst/>
+          </a:prstGeom>
+        </p:spPr>
+        <p:txBody>
+          <a:bodyPr>
+            <a:spAutoFit/>
+          </a:bodyPr>
+          <a:lstStyle/>
+          <a:p>
+            <a:r>
+              <a:rPr lang="en-US" u="sng" dirty="0" smtClean="0">
+                <a:latin typeface="Palatino Linotype" panose="02040502050505030304" pitchFamily="18" charset="0"/>
+              </a:rPr>
+              <a:t>Below-knee</a:t>
+            </a:r>
+            <a:endParaRPr lang="en-US" u="sng" dirty="0">
+              <a:latin typeface="Palatino Linotype" panose="02040502050505030304" pitchFamily="18" charset="0"/>
+            </a:endParaRPr>
+          </a:p>
+          <a:p>
+            <a:r>
+              <a:rPr lang="en-US" dirty="0">
+                <a:latin typeface="Palatino Linotype" panose="02040502050505030304" pitchFamily="18" charset="0"/>
+              </a:rPr>
+              <a:t>EMG: </a:t>
+            </a:r>
+            <a:r>
+              <a:rPr lang="en-US" dirty="0" smtClean="0">
+                <a:latin typeface="Palatino Linotype" panose="02040502050505030304" pitchFamily="18" charset="0"/>
+              </a:rPr>
+              <a:t>TA, MG, SOL</a:t>
+            </a:r>
+          </a:p>
+          <a:p>
+            <a:r>
+              <a:rPr lang="en-US" dirty="0" smtClean="0">
+                <a:latin typeface="Palatino Linotype" panose="02040502050505030304" pitchFamily="18" charset="0"/>
+              </a:rPr>
+              <a:t>Goniometer</a:t>
+            </a:r>
+            <a:r>
+              <a:rPr lang="en-US" dirty="0">
+                <a:latin typeface="Palatino Linotype" panose="02040502050505030304" pitchFamily="18" charset="0"/>
+              </a:rPr>
+              <a:t>: </a:t>
+            </a:r>
+            <a:r>
+              <a:rPr lang="en-US" dirty="0" smtClean="0">
+                <a:latin typeface="Palatino Linotype" panose="02040502050505030304" pitchFamily="18" charset="0"/>
+              </a:rPr>
+              <a:t>Ankle </a:t>
+            </a:r>
+            <a:r>
+              <a:rPr lang="en-US" dirty="0">
+                <a:latin typeface="Palatino Linotype" panose="02040502050505030304" pitchFamily="18" charset="0"/>
+              </a:rPr>
+              <a:t>position and velocity</a:t>
+            </a:r>
+          </a:p>
+          <a:p>
+            <a:r>
+              <a:rPr lang="en-US" dirty="0">
+                <a:latin typeface="Palatino Linotype" panose="02040502050505030304" pitchFamily="18" charset="0"/>
+              </a:rPr>
+              <a:t>IMU: </a:t>
+            </a:r>
+            <a:r>
+              <a:rPr lang="en-US" dirty="0" smtClean="0">
+                <a:latin typeface="Palatino Linotype" panose="02040502050505030304" pitchFamily="18" charset="0"/>
+              </a:rPr>
+              <a:t>Shank </a:t>
+            </a:r>
+            <a:r>
+              <a:rPr lang="en-US" dirty="0">
+                <a:latin typeface="Palatino Linotype" panose="02040502050505030304" pitchFamily="18" charset="0"/>
+              </a:rPr>
+              <a:t>A</a:t>
+            </a:r>
+            <a:r>
+              <a:rPr lang="en-US" baseline="-25000" dirty="0">
+                <a:latin typeface="Palatino Linotype" panose="02040502050505030304" pitchFamily="18" charset="0"/>
+              </a:rPr>
+              <a:t>x-z</a:t>
+            </a:r>
+            <a:r>
+              <a:rPr lang="en-US" dirty="0">
+                <a:latin typeface="Palatino Linotype" panose="02040502050505030304" pitchFamily="18" charset="0"/>
+              </a:rPr>
+              <a:t>, </a:t>
+            </a:r>
+            <a:r>
+              <a:rPr lang="en-US" dirty="0" err="1">
+                <a:latin typeface="Palatino Linotype" panose="02040502050505030304" pitchFamily="18" charset="0"/>
+              </a:rPr>
+              <a:t>G</a:t>
+            </a:r>
+            <a:r>
+              <a:rPr lang="en-US" baseline="-25000" dirty="0" err="1">
+                <a:latin typeface="Palatino Linotype" panose="02040502050505030304" pitchFamily="18" charset="0"/>
+              </a:rPr>
+              <a:t>x</a:t>
+            </a:r>
+            <a:r>
+              <a:rPr lang="en-US" baseline="-25000" dirty="0">
+                <a:latin typeface="Palatino Linotype" panose="02040502050505030304" pitchFamily="18" charset="0"/>
+              </a:rPr>
+              <a:t>-z</a:t>
+            </a:r>
+            <a:endParaRPr lang="en-US" dirty="0">
+              <a:latin typeface="Palatino Linotype" panose="02040502050505030304" pitchFamily="18" charset="0"/>
+            </a:endParaRPr>
+          </a:p>
+        </p:txBody>
+      </p:sp>
+      <p:sp>
+        <p:nvSpPr>
+          <p:cNvPr id="11" name="TextBox 10"/>
+          <p:cNvSpPr txBox="1"/>
+          <p:nvPr/>
+        </p:nvSpPr>
+        <p:spPr>
+          <a:xfrm>
+            <a:off x="5154706" y="3770603"/>
+            <a:ext cx="5979266" cy="1200329"/>
+          </a:xfrm>
+          <a:prstGeom prst="rect">
+            <a:avLst/>
+          </a:prstGeom>
+          <a:noFill/>
+        </p:spPr>
+        <p:txBody>
+          <a:bodyPr wrap="none" rtlCol="0">
+            <a:spAutoFit/>
+          </a:bodyPr>
+          <a:lstStyle/>
+          <a:p>
+            <a:r>
+              <a:rPr lang="en-US" u="sng" dirty="0" smtClean="0">
+                <a:latin typeface="Palatino Linotype" panose="02040502050505030304" pitchFamily="18" charset="0"/>
+              </a:rPr>
+              <a:t>The classification is the same as the paper:</a:t>
+            </a:r>
+          </a:p>
+          <a:p>
+            <a:r>
+              <a:rPr lang="en-US" dirty="0" smtClean="0">
+                <a:latin typeface="Palatino Linotype" panose="02040502050505030304" pitchFamily="18" charset="0"/>
+              </a:rPr>
+              <a:t>10 subjects</a:t>
+            </a:r>
+          </a:p>
+          <a:p>
+            <a:r>
+              <a:rPr lang="en-US" dirty="0" smtClean="0">
+                <a:latin typeface="Palatino Linotype" panose="02040502050505030304" pitchFamily="18" charset="0"/>
+              </a:rPr>
+              <a:t>Leg/mode/phase-specific classifiers (e.g. RHC</a:t>
+            </a:r>
+            <a:r>
+              <a:rPr lang="en-US" baseline="-25000" dirty="0" smtClean="0">
+                <a:latin typeface="Palatino Linotype" panose="02040502050505030304" pitchFamily="18" charset="0"/>
+              </a:rPr>
+              <a:t>LW</a:t>
+            </a:r>
+            <a:r>
+              <a:rPr lang="en-US" dirty="0" smtClean="0">
+                <a:latin typeface="Palatino Linotype" panose="02040502050505030304" pitchFamily="18" charset="0"/>
+              </a:rPr>
+              <a:t> , LTO</a:t>
+            </a:r>
+            <a:r>
+              <a:rPr lang="en-US" baseline="-25000" dirty="0" smtClean="0">
+                <a:latin typeface="Palatino Linotype" panose="02040502050505030304" pitchFamily="18" charset="0"/>
+              </a:rPr>
+              <a:t>SA</a:t>
+            </a:r>
+            <a:r>
+              <a:rPr lang="en-US" dirty="0" smtClean="0">
+                <a:latin typeface="Palatino Linotype" panose="02040502050505030304" pitchFamily="18" charset="0"/>
+              </a:rPr>
+              <a:t>)</a:t>
+            </a:r>
+          </a:p>
+          <a:p>
+            <a:r>
+              <a:rPr lang="en-US" dirty="0" smtClean="0">
+                <a:latin typeface="Palatino Linotype" panose="02040502050505030304" pitchFamily="18" charset="0"/>
+              </a:rPr>
+              <a:t>10-fold cross-validation with LDA</a:t>
+            </a:r>
           </a:p>
         </p:txBody>
       </p:sp>
